--- a/Room_MeetUp_2017.pptx
+++ b/Room_MeetUp_2017.pptx
@@ -273,7 +273,7 @@
             <a:fld id="{8E36636D-D922-432D-A958-524484B5923D}" type="datetimeFigureOut">
               <a:rPr lang="en-US" smtClean="0"/>
               <a:pPr/>
-              <a:t>9/21/2017</a:t>
+              <a:t>9/22/17</a:t>
             </a:fld>
             <a:endParaRPr lang="en-US" dirty="0"/>
           </a:p>
@@ -445,7 +445,7 @@
             <a:fld id="{8E36636D-D922-432D-A958-524484B5923D}" type="datetimeFigureOut">
               <a:rPr lang="en-US" smtClean="0"/>
               <a:pPr/>
-              <a:t>9/21/2017</a:t>
+              <a:t>9/22/17</a:t>
             </a:fld>
             <a:endParaRPr lang="en-US" dirty="0"/>
           </a:p>
@@ -627,7 +627,7 @@
             <a:fld id="{8E36636D-D922-432D-A958-524484B5923D}" type="datetimeFigureOut">
               <a:rPr lang="en-US" smtClean="0"/>
               <a:pPr/>
-              <a:t>9/21/2017</a:t>
+              <a:t>9/22/17</a:t>
             </a:fld>
             <a:endParaRPr lang="en-US" dirty="0"/>
           </a:p>
@@ -861,7 +861,7 @@
             <a:fld id="{8E36636D-D922-432D-A958-524484B5923D}" type="datetimeFigureOut">
               <a:rPr lang="en-US" smtClean="0"/>
               <a:pPr/>
-              <a:t>9/21/2017</a:t>
+              <a:t>9/22/17</a:t>
             </a:fld>
             <a:endParaRPr lang="en-US" dirty="0"/>
           </a:p>
@@ -915,7 +915,7 @@
           <p:cNvPr id="9" name="Рисунок 8">
             <a:extLst>
               <a:ext uri="{FF2B5EF4-FFF2-40B4-BE49-F238E27FC236}">
-                <a16:creationId xmlns:a16="http://schemas.microsoft.com/office/drawing/2014/main" id="{58A730BC-06FF-4184-95E4-29B9C379FD9A}"/>
+                <a16:creationId xmlns:a16="http://schemas.microsoft.com/office/drawing/2014/main" xmlns="" id="{58A730BC-06FF-4184-95E4-29B9C379FD9A}"/>
               </a:ext>
             </a:extLst>
           </p:cNvPr>
@@ -1098,7 +1098,7 @@
             <a:fld id="{8E36636D-D922-432D-A958-524484B5923D}" type="datetimeFigureOut">
               <a:rPr lang="en-US" smtClean="0"/>
               <a:pPr/>
-              <a:t>9/21/2017</a:t>
+              <a:t>9/22/17</a:t>
             </a:fld>
             <a:endParaRPr lang="en-US" dirty="0"/>
           </a:p>
@@ -1152,7 +1152,7 @@
           <p:cNvPr id="8" name="Рисунок 7">
             <a:extLst>
               <a:ext uri="{FF2B5EF4-FFF2-40B4-BE49-F238E27FC236}">
-                <a16:creationId xmlns:a16="http://schemas.microsoft.com/office/drawing/2014/main" id="{4D0FDD66-3B54-4D44-8260-7835E235DFFB}"/>
+                <a16:creationId xmlns:a16="http://schemas.microsoft.com/office/drawing/2014/main" xmlns="" id="{4D0FDD66-3B54-4D44-8260-7835E235DFFB}"/>
               </a:ext>
             </a:extLst>
           </p:cNvPr>
@@ -1410,7 +1410,7 @@
             <a:fld id="{8E36636D-D922-432D-A958-524484B5923D}" type="datetimeFigureOut">
               <a:rPr lang="en-US" smtClean="0"/>
               <a:pPr/>
-              <a:t>9/21/2017</a:t>
+              <a:t>9/22/17</a:t>
             </a:fld>
             <a:endParaRPr lang="en-US" dirty="0"/>
           </a:p>
@@ -1679,7 +1679,7 @@
             <a:fld id="{8E36636D-D922-432D-A958-524484B5923D}" type="datetimeFigureOut">
               <a:rPr lang="en-US" smtClean="0"/>
               <a:pPr/>
-              <a:t>9/21/2017</a:t>
+              <a:t>9/22/17</a:t>
             </a:fld>
             <a:endParaRPr lang="en-US" dirty="0"/>
           </a:p>
@@ -2096,7 +2096,7 @@
             <a:fld id="{8E36636D-D922-432D-A958-524484B5923D}" type="datetimeFigureOut">
               <a:rPr lang="en-US" smtClean="0"/>
               <a:pPr/>
-              <a:t>9/21/2017</a:t>
+              <a:t>9/22/17</a:t>
             </a:fld>
             <a:endParaRPr lang="en-US" dirty="0"/>
           </a:p>
@@ -2246,7 +2246,7 @@
             <a:fld id="{8E36636D-D922-432D-A958-524484B5923D}" type="datetimeFigureOut">
               <a:rPr lang="en-US" smtClean="0"/>
               <a:pPr/>
-              <a:t>9/21/2017</a:t>
+              <a:t>9/22/17</a:t>
             </a:fld>
             <a:endParaRPr lang="en-US" dirty="0"/>
           </a:p>
@@ -2373,7 +2373,7 @@
             <a:fld id="{8E36636D-D922-432D-A958-524484B5923D}" type="datetimeFigureOut">
               <a:rPr lang="en-US" smtClean="0"/>
               <a:pPr/>
-              <a:t>9/21/2017</a:t>
+              <a:t>9/22/17</a:t>
             </a:fld>
             <a:endParaRPr lang="en-US" dirty="0"/>
           </a:p>
@@ -2654,7 +2654,7 @@
             <a:fld id="{8E36636D-D922-432D-A958-524484B5923D}" type="datetimeFigureOut">
               <a:rPr lang="en-US" smtClean="0"/>
               <a:pPr/>
-              <a:t>9/21/2017</a:t>
+              <a:t>9/22/17</a:t>
             </a:fld>
             <a:endParaRPr lang="en-US" dirty="0"/>
           </a:p>
@@ -2826,7 +2826,7 @@
             <a:fld id="{8E36636D-D922-432D-A958-524484B5923D}" type="datetimeFigureOut">
               <a:rPr lang="en-US" smtClean="0"/>
               <a:pPr/>
-              <a:t>9/21/2017</a:t>
+              <a:t>9/22/17</a:t>
             </a:fld>
             <a:endParaRPr lang="en-US" dirty="0"/>
           </a:p>
@@ -3140,7 +3140,7 @@
             <a:fld id="{8E36636D-D922-432D-A958-524484B5923D}" type="datetimeFigureOut">
               <a:rPr lang="en-US" smtClean="0"/>
               <a:pPr/>
-              <a:t>9/21/2017</a:t>
+              <a:t>9/22/17</a:t>
             </a:fld>
             <a:endParaRPr lang="en-US" dirty="0"/>
           </a:p>
@@ -3454,7 +3454,7 @@
             <a:fld id="{8E36636D-D922-432D-A958-524484B5923D}" type="datetimeFigureOut">
               <a:rPr lang="en-US" smtClean="0"/>
               <a:pPr/>
-              <a:t>9/21/2017</a:t>
+              <a:t>9/22/17</a:t>
             </a:fld>
             <a:endParaRPr lang="en-US" dirty="0"/>
           </a:p>
@@ -3678,7 +3678,7 @@
             <a:fld id="{8E36636D-D922-432D-A958-524484B5923D}" type="datetimeFigureOut">
               <a:rPr lang="en-US" smtClean="0"/>
               <a:pPr/>
-              <a:t>9/21/2017</a:t>
+              <a:t>9/22/17</a:t>
             </a:fld>
             <a:endParaRPr lang="en-US" dirty="0"/>
           </a:p>
@@ -3971,7 +3971,7 @@
             <a:fld id="{8E36636D-D922-432D-A958-524484B5923D}" type="datetimeFigureOut">
               <a:rPr lang="en-US" smtClean="0"/>
               <a:pPr/>
-              <a:t>9/21/2017</a:t>
+              <a:t>9/22/17</a:t>
             </a:fld>
             <a:endParaRPr lang="en-US" dirty="0"/>
           </a:p>
@@ -4427,7 +4427,7 @@
             <a:fld id="{8E36636D-D922-432D-A958-524484B5923D}" type="datetimeFigureOut">
               <a:rPr lang="en-US" smtClean="0"/>
               <a:pPr/>
-              <a:t>9/21/2017</a:t>
+              <a:t>9/22/17</a:t>
             </a:fld>
             <a:endParaRPr lang="en-US" dirty="0"/>
           </a:p>
@@ -5005,7 +5005,7 @@
             <a:fld id="{8E36636D-D922-432D-A958-524484B5923D}" type="datetimeFigureOut">
               <a:rPr lang="en-US" smtClean="0"/>
               <a:pPr/>
-              <a:t>9/21/2017</a:t>
+              <a:t>9/22/17</a:t>
             </a:fld>
             <a:endParaRPr lang="en-US" dirty="0"/>
           </a:p>
@@ -5859,7 +5859,7 @@
             <a:fld id="{8E36636D-D922-432D-A958-524484B5923D}" type="datetimeFigureOut">
               <a:rPr lang="en-US" smtClean="0"/>
               <a:pPr/>
-              <a:t>9/21/2017</a:t>
+              <a:t>9/22/17</a:t>
             </a:fld>
             <a:endParaRPr lang="en-US" dirty="0"/>
           </a:p>
@@ -6066,7 +6066,7 @@
             <a:fld id="{8E36636D-D922-432D-A958-524484B5923D}" type="datetimeFigureOut">
               <a:rPr lang="en-US" smtClean="0"/>
               <a:pPr/>
-              <a:t>9/21/2017</a:t>
+              <a:t>9/22/17</a:t>
             </a:fld>
             <a:endParaRPr lang="en-US" dirty="0"/>
           </a:p>
@@ -6282,7 +6282,7 @@
             <a:fld id="{8E36636D-D922-432D-A958-524484B5923D}" type="datetimeFigureOut">
               <a:rPr lang="en-US" smtClean="0"/>
               <a:pPr/>
-              <a:t>9/21/2017</a:t>
+              <a:t>9/22/17</a:t>
             </a:fld>
             <a:endParaRPr lang="en-US" dirty="0"/>
           </a:p>
@@ -6535,7 +6535,7 @@
             <a:fld id="{8E36636D-D922-432D-A958-524484B5923D}" type="datetimeFigureOut">
               <a:rPr lang="en-US" smtClean="0"/>
               <a:pPr/>
-              <a:t>9/21/2017</a:t>
+              <a:t>9/22/17</a:t>
             </a:fld>
             <a:endParaRPr lang="en-US" dirty="0"/>
           </a:p>
@@ -6769,7 +6769,7 @@
             <a:fld id="{8E36636D-D922-432D-A958-524484B5923D}" type="datetimeFigureOut">
               <a:rPr lang="en-US" smtClean="0"/>
               <a:pPr/>
-              <a:t>9/21/2017</a:t>
+              <a:t>9/22/17</a:t>
             </a:fld>
             <a:endParaRPr lang="en-US" dirty="0"/>
           </a:p>
@@ -7118,7 +7118,7 @@
             <a:fld id="{8E36636D-D922-432D-A958-524484B5923D}" type="datetimeFigureOut">
               <a:rPr lang="en-US" smtClean="0"/>
               <a:pPr/>
-              <a:t>9/21/2017</a:t>
+              <a:t>9/22/17</a:t>
             </a:fld>
             <a:endParaRPr lang="en-US" dirty="0"/>
           </a:p>
@@ -7238,7 +7238,7 @@
             <a:fld id="{8E36636D-D922-432D-A958-524484B5923D}" type="datetimeFigureOut">
               <a:rPr lang="en-US" smtClean="0"/>
               <a:pPr/>
-              <a:t>9/21/2017</a:t>
+              <a:t>9/22/17</a:t>
             </a:fld>
             <a:endParaRPr lang="en-US" dirty="0"/>
           </a:p>
@@ -7358,7 +7358,7 @@
             <a:fld id="{8E36636D-D922-432D-A958-524484B5923D}" type="datetimeFigureOut">
               <a:rPr lang="en-US" smtClean="0"/>
               <a:pPr/>
-              <a:t>9/21/2017</a:t>
+              <a:t>9/22/17</a:t>
             </a:fld>
             <a:endParaRPr lang="en-US" dirty="0"/>
           </a:p>
@@ -7644,7 +7644,7 @@
             <a:fld id="{8E36636D-D922-432D-A958-524484B5923D}" type="datetimeFigureOut">
               <a:rPr lang="en-US" smtClean="0"/>
               <a:pPr/>
-              <a:t>9/21/2017</a:t>
+              <a:t>9/22/17</a:t>
             </a:fld>
             <a:endParaRPr lang="en-US" dirty="0"/>
           </a:p>
@@ -7910,7 +7910,7 @@
             <a:fld id="{8E36636D-D922-432D-A958-524484B5923D}" type="datetimeFigureOut">
               <a:rPr lang="en-US" smtClean="0"/>
               <a:pPr/>
-              <a:t>9/21/2017</a:t>
+              <a:t>9/22/17</a:t>
             </a:fld>
             <a:endParaRPr lang="en-US" dirty="0"/>
           </a:p>
@@ -8126,7 +8126,7 @@
             <a:fld id="{8E36636D-D922-432D-A958-524484B5923D}" type="datetimeFigureOut">
               <a:rPr lang="en-US" smtClean="0"/>
               <a:pPr/>
-              <a:t>9/21/2017</a:t>
+              <a:t>9/22/17</a:t>
             </a:fld>
             <a:endParaRPr lang="en-US" dirty="0"/>
           </a:p>
@@ -8697,7 +8697,7 @@
             <a:fld id="{8E36636D-D922-432D-A958-524484B5923D}" type="datetimeFigureOut">
               <a:rPr lang="en-US" smtClean="0"/>
               <a:pPr/>
-              <a:t>9/21/2017</a:t>
+              <a:t>9/22/17</a:t>
             </a:fld>
             <a:endParaRPr lang="en-US" dirty="0"/>
           </a:p>
@@ -9147,7 +9147,7 @@
           <p:cNvPr id="2" name="Заголовок 1">
             <a:extLst>
               <a:ext uri="{FF2B5EF4-FFF2-40B4-BE49-F238E27FC236}">
-                <a16:creationId xmlns:a16="http://schemas.microsoft.com/office/drawing/2014/main" id="{73794BA2-158C-4044-BAA3-E50C7A9371F4}"/>
+                <a16:creationId xmlns:a16="http://schemas.microsoft.com/office/drawing/2014/main" xmlns="" id="{73794BA2-158C-4044-BAA3-E50C7A9371F4}"/>
               </a:ext>
             </a:extLst>
           </p:cNvPr>
@@ -9191,7 +9191,7 @@
           <p:cNvPr id="3" name="Подзаголовок 2">
             <a:extLst>
               <a:ext uri="{FF2B5EF4-FFF2-40B4-BE49-F238E27FC236}">
-                <a16:creationId xmlns:a16="http://schemas.microsoft.com/office/drawing/2014/main" id="{8DDB5334-C139-4629-BD67-2B0BF927AE27}"/>
+                <a16:creationId xmlns:a16="http://schemas.microsoft.com/office/drawing/2014/main" xmlns="" id="{8DDB5334-C139-4629-BD67-2B0BF927AE27}"/>
               </a:ext>
             </a:extLst>
           </p:cNvPr>
@@ -9258,7 +9258,7 @@
           <p:cNvPr id="2" name="Заголовок 1">
             <a:extLst>
               <a:ext uri="{FF2B5EF4-FFF2-40B4-BE49-F238E27FC236}">
-                <a16:creationId xmlns:a16="http://schemas.microsoft.com/office/drawing/2014/main" id="{F9580D0A-8B6B-406A-8D61-7E09B77E3ED2}"/>
+                <a16:creationId xmlns:a16="http://schemas.microsoft.com/office/drawing/2014/main" xmlns="" id="{F9580D0A-8B6B-406A-8D61-7E09B77E3ED2}"/>
               </a:ext>
             </a:extLst>
           </p:cNvPr>
@@ -9300,7 +9300,7 @@
           <p:cNvPr id="4" name="Rectangle 1">
             <a:extLst>
               <a:ext uri="{FF2B5EF4-FFF2-40B4-BE49-F238E27FC236}">
-                <a16:creationId xmlns:a16="http://schemas.microsoft.com/office/drawing/2014/main" id="{DC5E3630-CB11-4520-A8A2-17FB68AC5BD5}"/>
+                <a16:creationId xmlns:a16="http://schemas.microsoft.com/office/drawing/2014/main" xmlns="" id="{DC5E3630-CB11-4520-A8A2-17FB68AC5BD5}"/>
               </a:ext>
             </a:extLst>
           </p:cNvPr>
@@ -10331,6 +10331,20 @@
                 <a:cs typeface="Courier New" panose="02070309020205020404" pitchFamily="49" charset="0"/>
               </a:rPr>
             </a:br>
+            <a:r>
+              <a:rPr kumimoji="0" lang="ru-RU" altLang="ru-RU" sz="1600" b="1" i="0" u="none" strike="noStrike" cap="none" normalizeH="0" baseline="0" dirty="0">
+                <a:ln>
+                  <a:noFill/>
+                </a:ln>
+                <a:solidFill>
+                  <a:srgbClr val="000000"/>
+                </a:solidFill>
+                <a:effectLst/>
+                <a:latin typeface="Courier New" panose="02070309020205020404" pitchFamily="49" charset="0"/>
+                <a:cs typeface="Courier New" panose="02070309020205020404" pitchFamily="49" charset="0"/>
+              </a:rPr>
+              <a:t/>
+            </a:r>
             <a:br>
               <a:rPr kumimoji="0" lang="ru-RU" altLang="ru-RU" sz="1600" b="1" i="0" u="none" strike="noStrike" cap="none" normalizeH="0" baseline="0" dirty="0">
                 <a:ln>
@@ -11641,7 +11655,7 @@
           <p:cNvPr id="2" name="Заголовок 1">
             <a:extLst>
               <a:ext uri="{FF2B5EF4-FFF2-40B4-BE49-F238E27FC236}">
-                <a16:creationId xmlns:a16="http://schemas.microsoft.com/office/drawing/2014/main" id="{F9580D0A-8B6B-406A-8D61-7E09B77E3ED2}"/>
+                <a16:creationId xmlns:a16="http://schemas.microsoft.com/office/drawing/2014/main" xmlns="" id="{F9580D0A-8B6B-406A-8D61-7E09B77E3ED2}"/>
               </a:ext>
             </a:extLst>
           </p:cNvPr>
@@ -11683,7 +11697,7 @@
           <p:cNvPr id="6" name="Rectangle 3">
             <a:extLst>
               <a:ext uri="{FF2B5EF4-FFF2-40B4-BE49-F238E27FC236}">
-                <a16:creationId xmlns:a16="http://schemas.microsoft.com/office/drawing/2014/main" id="{9CEC046C-A11A-4057-995F-B8D8CF32C134}"/>
+                <a16:creationId xmlns:a16="http://schemas.microsoft.com/office/drawing/2014/main" xmlns="" id="{9CEC046C-A11A-4057-995F-B8D8CF32C134}"/>
               </a:ext>
             </a:extLst>
           </p:cNvPr>
@@ -11953,6 +11967,20 @@
               </a:rPr>
               <a:t>TypeConverter</a:t>
             </a:r>
+            <a:r>
+              <a:rPr kumimoji="0" lang="ru-RU" altLang="ru-RU" sz="1400" b="1" i="0" u="none" strike="noStrike" cap="none" normalizeH="0" baseline="0" dirty="0">
+                <a:ln>
+                  <a:noFill/>
+                </a:ln>
+                <a:solidFill>
+                  <a:srgbClr val="808000"/>
+                </a:solidFill>
+                <a:effectLst/>
+                <a:latin typeface="Courier New" panose="02070309020205020404" pitchFamily="49" charset="0"/>
+                <a:cs typeface="Courier New" panose="02070309020205020404" pitchFamily="49" charset="0"/>
+              </a:rPr>
+              <a:t/>
+            </a:r>
             <a:br>
               <a:rPr kumimoji="0" lang="ru-RU" altLang="ru-RU" sz="1400" b="1" i="0" u="none" strike="noStrike" cap="none" normalizeH="0" baseline="0" dirty="0">
                 <a:ln>
@@ -12728,6 +12756,20 @@
                 <a:cs typeface="Courier New" panose="02070309020205020404" pitchFamily="49" charset="0"/>
               </a:rPr>
             </a:br>
+            <a:r>
+              <a:rPr kumimoji="0" lang="ru-RU" altLang="ru-RU" sz="1400" b="1" i="0" u="none" strike="noStrike" cap="none" normalizeH="0" baseline="0" dirty="0">
+                <a:ln>
+                  <a:noFill/>
+                </a:ln>
+                <a:solidFill>
+                  <a:srgbClr val="000000"/>
+                </a:solidFill>
+                <a:effectLst/>
+                <a:latin typeface="Courier New" panose="02070309020205020404" pitchFamily="49" charset="0"/>
+                <a:cs typeface="Courier New" panose="02070309020205020404" pitchFamily="49" charset="0"/>
+              </a:rPr>
+              <a:t/>
+            </a:r>
             <a:br>
               <a:rPr kumimoji="0" lang="ru-RU" altLang="ru-RU" sz="1400" b="1" i="0" u="none" strike="noStrike" cap="none" normalizeH="0" baseline="0" dirty="0">
                 <a:ln>
@@ -12806,6 +12848,20 @@
                 <a:cs typeface="Courier New" panose="02070309020205020404" pitchFamily="49" charset="0"/>
               </a:rPr>
               <a:t>TypeConverter</a:t>
+            </a:r>
+            <a:r>
+              <a:rPr kumimoji="0" lang="ru-RU" altLang="ru-RU" sz="1400" b="1" i="0" u="none" strike="noStrike" cap="none" normalizeH="0" baseline="0" dirty="0">
+                <a:ln>
+                  <a:noFill/>
+                </a:ln>
+                <a:solidFill>
+                  <a:srgbClr val="808000"/>
+                </a:solidFill>
+                <a:effectLst/>
+                <a:latin typeface="Courier New" panose="02070309020205020404" pitchFamily="49" charset="0"/>
+                <a:cs typeface="Courier New" panose="02070309020205020404" pitchFamily="49" charset="0"/>
+              </a:rPr>
+              <a:t/>
             </a:r>
             <a:br>
               <a:rPr kumimoji="0" lang="ru-RU" altLang="ru-RU" sz="1400" b="1" i="0" u="none" strike="noStrike" cap="none" normalizeH="0" baseline="0" dirty="0">
@@ -13669,7 +13725,7 @@
           <p:cNvPr id="2" name="Заголовок 1">
             <a:extLst>
               <a:ext uri="{FF2B5EF4-FFF2-40B4-BE49-F238E27FC236}">
-                <a16:creationId xmlns:a16="http://schemas.microsoft.com/office/drawing/2014/main" id="{F9580D0A-8B6B-406A-8D61-7E09B77E3ED2}"/>
+                <a16:creationId xmlns:a16="http://schemas.microsoft.com/office/drawing/2014/main" xmlns="" id="{F9580D0A-8B6B-406A-8D61-7E09B77E3ED2}"/>
               </a:ext>
             </a:extLst>
           </p:cNvPr>
@@ -13711,7 +13767,7 @@
           <p:cNvPr id="4" name="Rectangle 1">
             <a:extLst>
               <a:ext uri="{FF2B5EF4-FFF2-40B4-BE49-F238E27FC236}">
-                <a16:creationId xmlns:a16="http://schemas.microsoft.com/office/drawing/2014/main" id="{32D1782B-23A4-49F2-8807-5950A7BE1D67}"/>
+                <a16:creationId xmlns:a16="http://schemas.microsoft.com/office/drawing/2014/main" xmlns="" id="{32D1782B-23A4-49F2-8807-5950A7BE1D67}"/>
               </a:ext>
             </a:extLst>
           </p:cNvPr>
@@ -14101,6 +14157,20 @@
               </a:rPr>
               <a:t>PrimaryKey</a:t>
             </a:r>
+            <a:r>
+              <a:rPr kumimoji="0" lang="ru-RU" altLang="ru-RU" sz="1600" b="1" i="0" u="none" strike="noStrike" cap="none" normalizeH="0" baseline="0" dirty="0">
+                <a:ln>
+                  <a:noFill/>
+                </a:ln>
+                <a:solidFill>
+                  <a:srgbClr val="000000"/>
+                </a:solidFill>
+                <a:effectLst/>
+                <a:latin typeface="Courier New" panose="02070309020205020404" pitchFamily="49" charset="0"/>
+                <a:cs typeface="Courier New" panose="02070309020205020404" pitchFamily="49" charset="0"/>
+              </a:rPr>
+              <a:t/>
+            </a:r>
             <a:br>
               <a:rPr kumimoji="0" lang="ru-RU" altLang="ru-RU" sz="1600" b="1" i="0" u="none" strike="noStrike" cap="none" normalizeH="0" baseline="0" dirty="0">
                 <a:ln>
@@ -14455,6 +14525,20 @@
                 <a:cs typeface="Courier New" panose="02070309020205020404" pitchFamily="49" charset="0"/>
               </a:rPr>
               <a:t>Embedded</a:t>
+            </a:r>
+            <a:r>
+              <a:rPr kumimoji="0" lang="ru-RU" altLang="ru-RU" sz="1600" b="1" i="0" u="none" strike="noStrike" cap="none" normalizeH="0" baseline="0" dirty="0">
+                <a:ln>
+                  <a:noFill/>
+                </a:ln>
+                <a:solidFill>
+                  <a:srgbClr val="000000"/>
+                </a:solidFill>
+                <a:effectLst/>
+                <a:latin typeface="Courier New" panose="02070309020205020404" pitchFamily="49" charset="0"/>
+                <a:cs typeface="Courier New" panose="02070309020205020404" pitchFamily="49" charset="0"/>
+              </a:rPr>
+              <a:t/>
             </a:r>
             <a:br>
               <a:rPr kumimoji="0" lang="ru-RU" altLang="ru-RU" sz="1600" b="1" i="0" u="none" strike="noStrike" cap="none" normalizeH="0" baseline="0" dirty="0">
@@ -14735,7 +14819,7 @@
           <p:cNvPr id="2" name="Заголовок 1">
             <a:extLst>
               <a:ext uri="{FF2B5EF4-FFF2-40B4-BE49-F238E27FC236}">
-                <a16:creationId xmlns:a16="http://schemas.microsoft.com/office/drawing/2014/main" id="{F9580D0A-8B6B-406A-8D61-7E09B77E3ED2}"/>
+                <a16:creationId xmlns:a16="http://schemas.microsoft.com/office/drawing/2014/main" xmlns="" id="{F9580D0A-8B6B-406A-8D61-7E09B77E3ED2}"/>
               </a:ext>
             </a:extLst>
           </p:cNvPr>
@@ -14777,7 +14861,7 @@
           <p:cNvPr id="5" name="Rectangle 2">
             <a:extLst>
               <a:ext uri="{FF2B5EF4-FFF2-40B4-BE49-F238E27FC236}">
-                <a16:creationId xmlns:a16="http://schemas.microsoft.com/office/drawing/2014/main" id="{9945B1D7-34CE-4082-8F8F-10481C4F4EE3}"/>
+                <a16:creationId xmlns:a16="http://schemas.microsoft.com/office/drawing/2014/main" xmlns="" id="{9945B1D7-34CE-4082-8F8F-10481C4F4EE3}"/>
               </a:ext>
             </a:extLst>
           </p:cNvPr>
@@ -15020,6 +15104,20 @@
               </a:rPr>
               <a:t>Embedded</a:t>
             </a:r>
+            <a:r>
+              <a:rPr kumimoji="0" lang="ru-RU" altLang="ru-RU" sz="1600" b="1" i="0" u="none" strike="noStrike" cap="none" normalizeH="0" baseline="0" dirty="0">
+                <a:ln>
+                  <a:noFill/>
+                </a:ln>
+                <a:solidFill>
+                  <a:srgbClr val="808000"/>
+                </a:solidFill>
+                <a:effectLst/>
+                <a:latin typeface="Courier New" panose="02070309020205020404" pitchFamily="49" charset="0"/>
+                <a:cs typeface="Courier New" panose="02070309020205020404" pitchFamily="49" charset="0"/>
+              </a:rPr>
+              <a:t/>
+            </a:r>
             <a:br>
               <a:rPr kumimoji="0" lang="ru-RU" altLang="ru-RU" sz="1600" b="1" i="0" u="none" strike="noStrike" cap="none" normalizeH="0" baseline="0" dirty="0">
                 <a:ln>
@@ -15154,6 +15252,20 @@
                 <a:cs typeface="Courier New" panose="02070309020205020404" pitchFamily="49" charset="0"/>
               </a:rPr>
             </a:br>
+            <a:r>
+              <a:rPr kumimoji="0" lang="ru-RU" altLang="ru-RU" sz="1600" b="1" i="0" u="none" strike="noStrike" cap="none" normalizeH="0" baseline="0" dirty="0">
+                <a:ln>
+                  <a:noFill/>
+                </a:ln>
+                <a:solidFill>
+                  <a:srgbClr val="000000"/>
+                </a:solidFill>
+                <a:effectLst/>
+                <a:latin typeface="Courier New" panose="02070309020205020404" pitchFamily="49" charset="0"/>
+                <a:cs typeface="Courier New" panose="02070309020205020404" pitchFamily="49" charset="0"/>
+              </a:rPr>
+              <a:t/>
+            </a:r>
             <a:br>
               <a:rPr kumimoji="0" lang="ru-RU" altLang="ru-RU" sz="1600" b="1" i="0" u="none" strike="noStrike" cap="none" normalizeH="0" baseline="0" dirty="0">
                 <a:ln>
@@ -15697,6 +15809,20 @@
                 <a:cs typeface="Courier New" panose="02070309020205020404" pitchFamily="49" charset="0"/>
               </a:rPr>
             </a:br>
+            <a:r>
+              <a:rPr kumimoji="0" lang="ru-RU" altLang="ru-RU" sz="1600" b="1" i="0" u="none" strike="noStrike" cap="none" normalizeH="0" baseline="0" dirty="0">
+                <a:ln>
+                  <a:noFill/>
+                </a:ln>
+                <a:solidFill>
+                  <a:srgbClr val="000000"/>
+                </a:solidFill>
+                <a:effectLst/>
+                <a:latin typeface="Courier New" panose="02070309020205020404" pitchFamily="49" charset="0"/>
+                <a:cs typeface="Courier New" panose="02070309020205020404" pitchFamily="49" charset="0"/>
+              </a:rPr>
+              <a:t/>
+            </a:r>
             <a:br>
               <a:rPr kumimoji="0" lang="ru-RU" altLang="ru-RU" sz="1600" b="1" i="0" u="none" strike="noStrike" cap="none" normalizeH="0" baseline="0" dirty="0">
                 <a:ln>
@@ -16113,7 +16239,7 @@
           <p:cNvPr id="2" name="Заголовок 1">
             <a:extLst>
               <a:ext uri="{FF2B5EF4-FFF2-40B4-BE49-F238E27FC236}">
-                <a16:creationId xmlns:a16="http://schemas.microsoft.com/office/drawing/2014/main" id="{73794BA2-158C-4044-BAA3-E50C7A9371F4}"/>
+                <a16:creationId xmlns:a16="http://schemas.microsoft.com/office/drawing/2014/main" xmlns="" id="{73794BA2-158C-4044-BAA3-E50C7A9371F4}"/>
               </a:ext>
             </a:extLst>
           </p:cNvPr>
@@ -16152,7 +16278,7 @@
           <p:cNvPr id="3" name="Подзаголовок 2">
             <a:extLst>
               <a:ext uri="{FF2B5EF4-FFF2-40B4-BE49-F238E27FC236}">
-                <a16:creationId xmlns:a16="http://schemas.microsoft.com/office/drawing/2014/main" id="{8DDB5334-C139-4629-BD67-2B0BF927AE27}"/>
+                <a16:creationId xmlns:a16="http://schemas.microsoft.com/office/drawing/2014/main" xmlns="" id="{8DDB5334-C139-4629-BD67-2B0BF927AE27}"/>
               </a:ext>
             </a:extLst>
           </p:cNvPr>
@@ -16329,7 +16455,7 @@
           <p:cNvPr id="2" name="Заголовок 1">
             <a:extLst>
               <a:ext uri="{FF2B5EF4-FFF2-40B4-BE49-F238E27FC236}">
-                <a16:creationId xmlns:a16="http://schemas.microsoft.com/office/drawing/2014/main" id="{F9580D0A-8B6B-406A-8D61-7E09B77E3ED2}"/>
+                <a16:creationId xmlns:a16="http://schemas.microsoft.com/office/drawing/2014/main" xmlns="" id="{F9580D0A-8B6B-406A-8D61-7E09B77E3ED2}"/>
               </a:ext>
             </a:extLst>
           </p:cNvPr>
@@ -16371,7 +16497,7 @@
           <p:cNvPr id="3" name="Объект 2">
             <a:extLst>
               <a:ext uri="{FF2B5EF4-FFF2-40B4-BE49-F238E27FC236}">
-                <a16:creationId xmlns:a16="http://schemas.microsoft.com/office/drawing/2014/main" id="{E5203457-2544-4CA3-B0B0-8F7E6DEDEF87}"/>
+                <a16:creationId xmlns:a16="http://schemas.microsoft.com/office/drawing/2014/main" xmlns="" id="{E5203457-2544-4CA3-B0B0-8F7E6DEDEF87}"/>
               </a:ext>
             </a:extLst>
           </p:cNvPr>
@@ -16403,35 +16529,29 @@
             </a:endParaRPr>
           </a:p>
           <a:p>
-            <a:pPr marL="36900" indent="0">
-              <a:buNone/>
-            </a:pPr>
-            <a:r>
-              <a:rPr lang="ru-RU" sz="4400" dirty="0">
-                <a:latin typeface="Calibri" panose="020F0502020204030204" pitchFamily="34" charset="0"/>
-                <a:cs typeface="Calibri" panose="020F0502020204030204" pitchFamily="34" charset="0"/>
-              </a:rPr>
-              <a:t>Объекты</a:t>
-            </a:r>
-            <a:r>
-              <a:rPr lang="en-US" sz="4400" dirty="0">
-                <a:latin typeface="Calibri" panose="020F0502020204030204" pitchFamily="34" charset="0"/>
-                <a:cs typeface="Calibri" panose="020F0502020204030204" pitchFamily="34" charset="0"/>
-              </a:rPr>
-              <a:t>:</a:t>
-            </a:r>
-          </a:p>
-          <a:p>
             <a:pPr>
               <a:buFont typeface="Arial" panose="020B0604020202020204" pitchFamily="34" charset="0"/>
               <a:buChar char="•"/>
             </a:pPr>
             <a:r>
-              <a:rPr lang="en-US" sz="4400" dirty="0" err="1">
+              <a:rPr lang="en-US" sz="4400" cap="none" dirty="0" smtClean="0">
                 <a:latin typeface="Calibri" panose="020F0502020204030204" pitchFamily="34" charset="0"/>
                 <a:cs typeface="Calibri" panose="020F0502020204030204" pitchFamily="34" charset="0"/>
               </a:rPr>
-              <a:t>RoomDatabase</a:t>
+              <a:t>Database</a:t>
+            </a:r>
+          </a:p>
+          <a:p>
+            <a:pPr>
+              <a:buFont typeface="Arial" panose="020B0604020202020204" pitchFamily="34" charset="0"/>
+              <a:buChar char="•"/>
+            </a:pPr>
+            <a:r>
+              <a:rPr lang="en-US" sz="4400" dirty="0" smtClean="0">
+                <a:latin typeface="Calibri" panose="020F0502020204030204" pitchFamily="34" charset="0"/>
+                <a:cs typeface="Calibri" panose="020F0502020204030204" pitchFamily="34" charset="0"/>
+              </a:rPr>
+              <a:t>DAO</a:t>
             </a:r>
             <a:endParaRPr lang="en-US" sz="4400" dirty="0">
               <a:latin typeface="Calibri" panose="020F0502020204030204" pitchFamily="34" charset="0"/>
@@ -16444,12 +16564,16 @@
               <a:buChar char="•"/>
             </a:pPr>
             <a:r>
-              <a:rPr lang="en-US" sz="4400" dirty="0">
+              <a:rPr lang="en-US" sz="4400" cap="none" dirty="0" smtClean="0">
                 <a:latin typeface="Calibri" panose="020F0502020204030204" pitchFamily="34" charset="0"/>
                 <a:cs typeface="Calibri" panose="020F0502020204030204" pitchFamily="34" charset="0"/>
               </a:rPr>
-              <a:t>Room</a:t>
-            </a:r>
+              <a:t>Entity</a:t>
+            </a:r>
+            <a:endParaRPr lang="en-US" sz="4400" dirty="0">
+              <a:latin typeface="Calibri" panose="020F0502020204030204" pitchFamily="34" charset="0"/>
+              <a:cs typeface="Calibri" panose="020F0502020204030204" pitchFamily="34" charset="0"/>
+            </a:endParaRPr>
           </a:p>
         </p:txBody>
       </p:sp>
@@ -16488,7 +16612,7 @@
           <p:cNvPr id="2" name="Заголовок 1">
             <a:extLst>
               <a:ext uri="{FF2B5EF4-FFF2-40B4-BE49-F238E27FC236}">
-                <a16:creationId xmlns:a16="http://schemas.microsoft.com/office/drawing/2014/main" id="{F9580D0A-8B6B-406A-8D61-7E09B77E3ED2}"/>
+                <a16:creationId xmlns:a16="http://schemas.microsoft.com/office/drawing/2014/main" xmlns="" id="{F9580D0A-8B6B-406A-8D61-7E09B77E3ED2}"/>
               </a:ext>
             </a:extLst>
           </p:cNvPr>
@@ -16530,7 +16654,7 @@
           <p:cNvPr id="8" name="Rectangle 5">
             <a:extLst>
               <a:ext uri="{FF2B5EF4-FFF2-40B4-BE49-F238E27FC236}">
-                <a16:creationId xmlns:a16="http://schemas.microsoft.com/office/drawing/2014/main" id="{083CBA85-077D-4BA4-88E0-5DE7BDBF63D5}"/>
+                <a16:creationId xmlns:a16="http://schemas.microsoft.com/office/drawing/2014/main" xmlns="" id="{083CBA85-077D-4BA4-88E0-5DE7BDBF63D5}"/>
               </a:ext>
             </a:extLst>
           </p:cNvPr>
@@ -17028,6 +17152,20 @@
                 <a:cs typeface="Courier New" panose="02070309020205020404" pitchFamily="49" charset="0"/>
               </a:rPr>
             </a:br>
+            <a:r>
+              <a:rPr kumimoji="0" lang="ru-RU" altLang="ru-RU" sz="1600" b="1" i="0" u="none" strike="noStrike" cap="none" normalizeH="0" baseline="0" dirty="0">
+                <a:ln>
+                  <a:noFill/>
+                </a:ln>
+                <a:solidFill>
+                  <a:srgbClr val="000000"/>
+                </a:solidFill>
+                <a:effectLst/>
+                <a:latin typeface="Courier New" panose="02070309020205020404" pitchFamily="49" charset="0"/>
+                <a:cs typeface="Courier New" panose="02070309020205020404" pitchFamily="49" charset="0"/>
+              </a:rPr>
+              <a:t/>
+            </a:r>
             <a:br>
               <a:rPr kumimoji="0" lang="ru-RU" altLang="ru-RU" sz="1600" b="1" i="0" u="none" strike="noStrike" cap="none" normalizeH="0" baseline="0" dirty="0">
                 <a:ln>
@@ -18104,6 +18242,20 @@
                 <a:cs typeface="Courier New" panose="02070309020205020404" pitchFamily="49" charset="0"/>
               </a:rPr>
             </a:br>
+            <a:r>
+              <a:rPr kumimoji="0" lang="ru-RU" altLang="ru-RU" sz="1600" b="1" i="0" u="none" strike="noStrike" cap="none" normalizeH="0" baseline="0" dirty="0">
+                <a:ln>
+                  <a:noFill/>
+                </a:ln>
+                <a:solidFill>
+                  <a:srgbClr val="000000"/>
+                </a:solidFill>
+                <a:effectLst/>
+                <a:latin typeface="Courier New" panose="02070309020205020404" pitchFamily="49" charset="0"/>
+                <a:cs typeface="Courier New" panose="02070309020205020404" pitchFamily="49" charset="0"/>
+              </a:rPr>
+              <a:t/>
+            </a:r>
             <a:br>
               <a:rPr kumimoji="0" lang="ru-RU" altLang="ru-RU" sz="1600" b="1" i="0" u="none" strike="noStrike" cap="none" normalizeH="0" baseline="0" dirty="0">
                 <a:ln>
@@ -18258,18 +18410,32 @@
               <a:t>sourceDao</a:t>
             </a:r>
             <a:r>
-              <a:rPr kumimoji="0" lang="ru-RU" altLang="ru-RU" sz="1600" b="1" i="0" u="none" strike="noStrike" cap="none" normalizeH="0" baseline="0" dirty="0">
-                <a:ln>
-                  <a:noFill/>
-                </a:ln>
-                <a:solidFill>
-                  <a:srgbClr val="000000"/>
-                </a:solidFill>
-                <a:effectLst/>
-                <a:latin typeface="Courier New" panose="02070309020205020404" pitchFamily="49" charset="0"/>
-                <a:cs typeface="Courier New" panose="02070309020205020404" pitchFamily="49" charset="0"/>
-              </a:rPr>
-              <a:t>();1</a:t>
+              <a:rPr kumimoji="0" lang="ru-RU" altLang="ru-RU" sz="1600" b="1" i="0" u="none" strike="noStrike" cap="none" normalizeH="0" baseline="0" dirty="0" smtClean="0">
+                <a:ln>
+                  <a:noFill/>
+                </a:ln>
+                <a:solidFill>
+                  <a:srgbClr val="000000"/>
+                </a:solidFill>
+                <a:effectLst/>
+                <a:latin typeface="Courier New" panose="02070309020205020404" pitchFamily="49" charset="0"/>
+                <a:cs typeface="Courier New" panose="02070309020205020404" pitchFamily="49" charset="0"/>
+              </a:rPr>
+              <a:t>();</a:t>
+            </a:r>
+            <a:r>
+              <a:rPr kumimoji="0" lang="ru-RU" altLang="ru-RU" sz="1600" b="1" i="0" u="none" strike="noStrike" cap="none" normalizeH="0" baseline="0" dirty="0">
+                <a:ln>
+                  <a:noFill/>
+                </a:ln>
+                <a:solidFill>
+                  <a:srgbClr val="000000"/>
+                </a:solidFill>
+                <a:effectLst/>
+                <a:latin typeface="Courier New" panose="02070309020205020404" pitchFamily="49" charset="0"/>
+                <a:cs typeface="Courier New" panose="02070309020205020404" pitchFamily="49" charset="0"/>
+              </a:rPr>
+              <a:t/>
             </a:r>
             <a:br>
               <a:rPr kumimoji="0" lang="ru-RU" altLang="ru-RU" sz="1600" b="1" i="0" u="none" strike="noStrike" cap="none" normalizeH="0" baseline="0" dirty="0">
@@ -18360,7 +18526,7 @@
           <p:cNvPr id="2" name="Заголовок 1">
             <a:extLst>
               <a:ext uri="{FF2B5EF4-FFF2-40B4-BE49-F238E27FC236}">
-                <a16:creationId xmlns:a16="http://schemas.microsoft.com/office/drawing/2014/main" id="{F9580D0A-8B6B-406A-8D61-7E09B77E3ED2}"/>
+                <a16:creationId xmlns:a16="http://schemas.microsoft.com/office/drawing/2014/main" xmlns="" id="{F9580D0A-8B6B-406A-8D61-7E09B77E3ED2}"/>
               </a:ext>
             </a:extLst>
           </p:cNvPr>
@@ -18402,7 +18568,7 @@
           <p:cNvPr id="8" name="Rectangle 5">
             <a:extLst>
               <a:ext uri="{FF2B5EF4-FFF2-40B4-BE49-F238E27FC236}">
-                <a16:creationId xmlns:a16="http://schemas.microsoft.com/office/drawing/2014/main" id="{083CBA85-077D-4BA4-88E0-5DE7BDBF63D5}"/>
+                <a16:creationId xmlns:a16="http://schemas.microsoft.com/office/drawing/2014/main" xmlns="" id="{083CBA85-077D-4BA4-88E0-5DE7BDBF63D5}"/>
               </a:ext>
             </a:extLst>
           </p:cNvPr>
@@ -18472,6 +18638,20 @@
               <a:buClrTx/>
               <a:buNone/>
             </a:pPr>
+            <a:r>
+              <a:rPr kumimoji="0" lang="ru-RU" altLang="ru-RU" sz="1600" b="1" i="0" u="none" strike="noStrike" cap="none" normalizeH="0" baseline="0">
+                <a:ln>
+                  <a:noFill/>
+                </a:ln>
+                <a:solidFill>
+                  <a:srgbClr val="000000"/>
+                </a:solidFill>
+                <a:effectLst/>
+                <a:latin typeface="Courier New" panose="02070309020205020404" pitchFamily="49" charset="0"/>
+                <a:cs typeface="Courier New" panose="02070309020205020404" pitchFamily="49" charset="0"/>
+              </a:rPr>
+              <a:t/>
+            </a:r>
             <a:br>
               <a:rPr kumimoji="0" lang="ru-RU" altLang="ru-RU" sz="1600" b="1" i="0" u="none" strike="noStrike" cap="none" normalizeH="0" baseline="0">
                 <a:ln>
@@ -18592,6 +18772,20 @@
                 <a:cs typeface="Courier New" panose="02070309020205020404" pitchFamily="49" charset="0"/>
               </a:rPr>
             </a:br>
+            <a:r>
+              <a:rPr kumimoji="0" lang="ru-RU" altLang="ru-RU" sz="1600" b="1" i="0" u="none" strike="noStrike" cap="none" normalizeH="0" baseline="0">
+                <a:ln>
+                  <a:noFill/>
+                </a:ln>
+                <a:solidFill>
+                  <a:srgbClr val="000000"/>
+                </a:solidFill>
+                <a:effectLst/>
+                <a:latin typeface="Courier New" panose="02070309020205020404" pitchFamily="49" charset="0"/>
+                <a:cs typeface="Courier New" panose="02070309020205020404" pitchFamily="49" charset="0"/>
+              </a:rPr>
+              <a:t/>
+            </a:r>
             <a:br>
               <a:rPr kumimoji="0" lang="ru-RU" altLang="ru-RU" sz="1600" b="1" i="0" u="none" strike="noStrike" cap="none" normalizeH="0" baseline="0">
                 <a:ln>
@@ -18953,7 +19147,7 @@
           <p:cNvPr id="4" name="Рисунок 3">
             <a:extLst>
               <a:ext uri="{FF2B5EF4-FFF2-40B4-BE49-F238E27FC236}">
-                <a16:creationId xmlns:a16="http://schemas.microsoft.com/office/drawing/2014/main" id="{B050B8D2-2061-4B87-B0C3-2EE403B2118A}"/>
+                <a16:creationId xmlns:a16="http://schemas.microsoft.com/office/drawing/2014/main" xmlns="" id="{B050B8D2-2061-4B87-B0C3-2EE403B2118A}"/>
               </a:ext>
             </a:extLst>
           </p:cNvPr>
@@ -19013,7 +19207,7 @@
           <p:cNvPr id="2" name="Заголовок 1">
             <a:extLst>
               <a:ext uri="{FF2B5EF4-FFF2-40B4-BE49-F238E27FC236}">
-                <a16:creationId xmlns:a16="http://schemas.microsoft.com/office/drawing/2014/main" id="{F9580D0A-8B6B-406A-8D61-7E09B77E3ED2}"/>
+                <a16:creationId xmlns:a16="http://schemas.microsoft.com/office/drawing/2014/main" xmlns="" id="{F9580D0A-8B6B-406A-8D61-7E09B77E3ED2}"/>
               </a:ext>
             </a:extLst>
           </p:cNvPr>
@@ -19055,7 +19249,7 @@
           <p:cNvPr id="4" name="Rectangle 1">
             <a:extLst>
               <a:ext uri="{FF2B5EF4-FFF2-40B4-BE49-F238E27FC236}">
-                <a16:creationId xmlns:a16="http://schemas.microsoft.com/office/drawing/2014/main" id="{BD4E9A93-78F2-44B7-A84B-A61C09FA4077}"/>
+                <a16:creationId xmlns:a16="http://schemas.microsoft.com/office/drawing/2014/main" xmlns="" id="{BD4E9A93-78F2-44B7-A84B-A61C09FA4077}"/>
               </a:ext>
             </a:extLst>
           </p:cNvPr>
@@ -19551,6 +19745,20 @@
                 <a:cs typeface="Courier New" panose="02070309020205020404" pitchFamily="49" charset="0"/>
               </a:rPr>
             </a:br>
+            <a:r>
+              <a:rPr kumimoji="0" lang="ru-RU" altLang="ru-RU" sz="1600" b="1" i="0" u="none" strike="noStrike" cap="none" normalizeH="0" baseline="0" dirty="0">
+                <a:ln>
+                  <a:noFill/>
+                </a:ln>
+                <a:solidFill>
+                  <a:srgbClr val="000000"/>
+                </a:solidFill>
+                <a:effectLst/>
+                <a:latin typeface="Courier New" panose="02070309020205020404" pitchFamily="49" charset="0"/>
+                <a:cs typeface="Courier New" panose="02070309020205020404" pitchFamily="49" charset="0"/>
+              </a:rPr>
+              <a:t/>
+            </a:r>
             <a:br>
               <a:rPr kumimoji="0" lang="ru-RU" altLang="ru-RU" sz="1600" b="1" i="0" u="none" strike="noStrike" cap="none" normalizeH="0" baseline="0" dirty="0">
                 <a:ln>
@@ -19786,6 +19994,20 @@
                 <a:cs typeface="Courier New" panose="02070309020205020404" pitchFamily="49" charset="0"/>
               </a:rPr>
               <a:t>Override</a:t>
+            </a:r>
+            <a:r>
+              <a:rPr kumimoji="0" lang="ru-RU" altLang="ru-RU" sz="1600" b="1" i="0" u="none" strike="noStrike" cap="none" normalizeH="0" baseline="0" dirty="0">
+                <a:ln>
+                  <a:noFill/>
+                </a:ln>
+                <a:solidFill>
+                  <a:srgbClr val="808000"/>
+                </a:solidFill>
+                <a:effectLst/>
+                <a:latin typeface="Courier New" panose="02070309020205020404" pitchFamily="49" charset="0"/>
+                <a:cs typeface="Courier New" panose="02070309020205020404" pitchFamily="49" charset="0"/>
+              </a:rPr>
+              <a:t/>
             </a:r>
             <a:br>
               <a:rPr kumimoji="0" lang="ru-RU" altLang="ru-RU" sz="1600" b="1" i="0" u="none" strike="noStrike" cap="none" normalizeH="0" baseline="0" dirty="0">
@@ -20160,6 +20382,20 @@
                 <a:cs typeface="Courier New" panose="02070309020205020404" pitchFamily="49" charset="0"/>
               </a:rPr>
             </a:br>
+            <a:r>
+              <a:rPr kumimoji="0" lang="ru-RU" altLang="ru-RU" sz="1600" b="1" i="0" u="none" strike="noStrike" cap="none" normalizeH="0" baseline="0" dirty="0">
+                <a:ln>
+                  <a:noFill/>
+                </a:ln>
+                <a:solidFill>
+                  <a:srgbClr val="000000"/>
+                </a:solidFill>
+                <a:effectLst/>
+                <a:latin typeface="Courier New" panose="02070309020205020404" pitchFamily="49" charset="0"/>
+                <a:cs typeface="Courier New" panose="02070309020205020404" pitchFamily="49" charset="0"/>
+              </a:rPr>
+              <a:t/>
+            </a:r>
             <a:br>
               <a:rPr kumimoji="0" lang="ru-RU" altLang="ru-RU" sz="1600" b="1" i="0" u="none" strike="noStrike" cap="none" normalizeH="0" baseline="0" dirty="0">
                 <a:ln>
@@ -20263,7 +20499,7 @@
           <p:cNvPr id="2" name="Заголовок 1">
             <a:extLst>
               <a:ext uri="{FF2B5EF4-FFF2-40B4-BE49-F238E27FC236}">
-                <a16:creationId xmlns:a16="http://schemas.microsoft.com/office/drawing/2014/main" id="{F9580D0A-8B6B-406A-8D61-7E09B77E3ED2}"/>
+                <a16:creationId xmlns:a16="http://schemas.microsoft.com/office/drawing/2014/main" xmlns="" id="{F9580D0A-8B6B-406A-8D61-7E09B77E3ED2}"/>
               </a:ext>
             </a:extLst>
           </p:cNvPr>
@@ -20305,7 +20541,7 @@
           <p:cNvPr id="6" name="Rectangle 3">
             <a:extLst>
               <a:ext uri="{FF2B5EF4-FFF2-40B4-BE49-F238E27FC236}">
-                <a16:creationId xmlns:a16="http://schemas.microsoft.com/office/drawing/2014/main" id="{4A995208-F29C-4669-B6C7-3FE6A0B9F603}"/>
+                <a16:creationId xmlns:a16="http://schemas.microsoft.com/office/drawing/2014/main" xmlns="" id="{4A995208-F29C-4669-B6C7-3FE6A0B9F603}"/>
               </a:ext>
             </a:extLst>
           </p:cNvPr>
@@ -20413,6 +20649,20 @@
               </a:rPr>
               <a:t>Dao</a:t>
             </a:r>
+            <a:r>
+              <a:rPr kumimoji="0" lang="ru-RU" altLang="ru-RU" sz="1600" b="1" i="0" u="none" strike="noStrike" cap="none" normalizeH="0" baseline="0" dirty="0">
+                <a:ln>
+                  <a:noFill/>
+                </a:ln>
+                <a:solidFill>
+                  <a:srgbClr val="808000"/>
+                </a:solidFill>
+                <a:effectLst/>
+                <a:latin typeface="Courier New" panose="02070309020205020404" pitchFamily="49" charset="0"/>
+                <a:cs typeface="Courier New" panose="02070309020205020404" pitchFamily="49" charset="0"/>
+              </a:rPr>
+              <a:t/>
+            </a:r>
             <a:br>
               <a:rPr kumimoji="0" lang="ru-RU" altLang="ru-RU" sz="1600" b="1" i="0" u="none" strike="noStrike" cap="none" normalizeH="0" baseline="0" dirty="0">
                 <a:ln>
@@ -20533,6 +20783,20 @@
                 <a:cs typeface="Courier New" panose="02070309020205020404" pitchFamily="49" charset="0"/>
               </a:rPr>
             </a:br>
+            <a:r>
+              <a:rPr kumimoji="0" lang="ru-RU" altLang="ru-RU" sz="1600" b="1" i="0" u="none" strike="noStrike" cap="none" normalizeH="0" baseline="0" dirty="0">
+                <a:ln>
+                  <a:noFill/>
+                </a:ln>
+                <a:solidFill>
+                  <a:srgbClr val="000000"/>
+                </a:solidFill>
+                <a:effectLst/>
+                <a:latin typeface="Courier New" panose="02070309020205020404" pitchFamily="49" charset="0"/>
+                <a:cs typeface="Courier New" panose="02070309020205020404" pitchFamily="49" charset="0"/>
+              </a:rPr>
+              <a:t/>
+            </a:r>
             <a:br>
               <a:rPr kumimoji="0" lang="ru-RU" altLang="ru-RU" sz="1600" b="1" i="0" u="none" strike="noStrike" cap="none" normalizeH="0" baseline="0" dirty="0">
                 <a:ln>
@@ -20858,6 +21122,20 @@
                 <a:cs typeface="Courier New" panose="02070309020205020404" pitchFamily="49" charset="0"/>
               </a:rPr>
             </a:br>
+            <a:r>
+              <a:rPr kumimoji="0" lang="ru-RU" altLang="ru-RU" sz="1600" b="1" i="0" u="none" strike="noStrike" cap="none" normalizeH="0" baseline="0" dirty="0">
+                <a:ln>
+                  <a:noFill/>
+                </a:ln>
+                <a:solidFill>
+                  <a:srgbClr val="000000"/>
+                </a:solidFill>
+                <a:effectLst/>
+                <a:latin typeface="Courier New" panose="02070309020205020404" pitchFamily="49" charset="0"/>
+                <a:cs typeface="Courier New" panose="02070309020205020404" pitchFamily="49" charset="0"/>
+              </a:rPr>
+              <a:t/>
+            </a:r>
             <a:br>
               <a:rPr kumimoji="0" lang="ru-RU" altLang="ru-RU" sz="1600" b="1" i="0" u="none" strike="noStrike" cap="none" normalizeH="0" baseline="0" dirty="0">
                 <a:ln>
@@ -21155,6 +21433,20 @@
                 <a:cs typeface="Courier New" panose="02070309020205020404" pitchFamily="49" charset="0"/>
               </a:rPr>
             </a:br>
+            <a:r>
+              <a:rPr kumimoji="0" lang="ru-RU" altLang="ru-RU" sz="1600" b="1" i="0" u="none" strike="noStrike" cap="none" normalizeH="0" baseline="0" dirty="0">
+                <a:ln>
+                  <a:noFill/>
+                </a:ln>
+                <a:solidFill>
+                  <a:srgbClr val="000000"/>
+                </a:solidFill>
+                <a:effectLst/>
+                <a:latin typeface="Courier New" panose="02070309020205020404" pitchFamily="49" charset="0"/>
+                <a:cs typeface="Courier New" panose="02070309020205020404" pitchFamily="49" charset="0"/>
+              </a:rPr>
+              <a:t/>
+            </a:r>
             <a:br>
               <a:rPr kumimoji="0" lang="ru-RU" altLang="ru-RU" sz="1600" b="1" i="0" u="none" strike="noStrike" cap="none" normalizeH="0" baseline="0" dirty="0">
                 <a:ln>
@@ -21480,6 +21772,20 @@
                 <a:cs typeface="Courier New" panose="02070309020205020404" pitchFamily="49" charset="0"/>
               </a:rPr>
             </a:br>
+            <a:r>
+              <a:rPr kumimoji="0" lang="ru-RU" altLang="ru-RU" sz="1600" b="1" i="0" u="none" strike="noStrike" cap="none" normalizeH="0" baseline="0" dirty="0">
+                <a:ln>
+                  <a:noFill/>
+                </a:ln>
+                <a:solidFill>
+                  <a:srgbClr val="000000"/>
+                </a:solidFill>
+                <a:effectLst/>
+                <a:latin typeface="Courier New" panose="02070309020205020404" pitchFamily="49" charset="0"/>
+                <a:cs typeface="Courier New" panose="02070309020205020404" pitchFamily="49" charset="0"/>
+              </a:rPr>
+              <a:t/>
+            </a:r>
             <a:br>
               <a:rPr kumimoji="0" lang="ru-RU" altLang="ru-RU" sz="1600" b="1" i="0" u="none" strike="noStrike" cap="none" normalizeH="0" baseline="0" dirty="0">
                 <a:ln>
@@ -21889,6 +22195,20 @@
                 <a:cs typeface="Courier New" panose="02070309020205020404" pitchFamily="49" charset="0"/>
               </a:rPr>
             </a:br>
+            <a:r>
+              <a:rPr kumimoji="0" lang="ru-RU" altLang="ru-RU" sz="1600" b="1" i="0" u="none" strike="noStrike" cap="none" normalizeH="0" baseline="0" dirty="0">
+                <a:ln>
+                  <a:noFill/>
+                </a:ln>
+                <a:solidFill>
+                  <a:srgbClr val="000000"/>
+                </a:solidFill>
+                <a:effectLst/>
+                <a:latin typeface="Courier New" panose="02070309020205020404" pitchFamily="49" charset="0"/>
+                <a:cs typeface="Courier New" panose="02070309020205020404" pitchFamily="49" charset="0"/>
+              </a:rPr>
+              <a:t/>
+            </a:r>
             <a:br>
               <a:rPr kumimoji="0" lang="ru-RU" altLang="ru-RU" sz="1600" b="1" i="0" u="none" strike="noStrike" cap="none" normalizeH="0" baseline="0" dirty="0">
                 <a:ln>
@@ -22382,6 +22702,20 @@
                 <a:cs typeface="Courier New" panose="02070309020205020404" pitchFamily="49" charset="0"/>
               </a:rPr>
             </a:br>
+            <a:r>
+              <a:rPr kumimoji="0" lang="ru-RU" altLang="ru-RU" sz="1600" b="1" i="0" u="none" strike="noStrike" cap="none" normalizeH="0" baseline="0" dirty="0">
+                <a:ln>
+                  <a:noFill/>
+                </a:ln>
+                <a:solidFill>
+                  <a:srgbClr val="000000"/>
+                </a:solidFill>
+                <a:effectLst/>
+                <a:latin typeface="Courier New" panose="02070309020205020404" pitchFamily="49" charset="0"/>
+                <a:cs typeface="Courier New" panose="02070309020205020404" pitchFamily="49" charset="0"/>
+              </a:rPr>
+              <a:t/>
+            </a:r>
             <a:br>
               <a:rPr kumimoji="0" lang="ru-RU" altLang="ru-RU" sz="1600" b="1" i="0" u="none" strike="noStrike" cap="none" normalizeH="0" baseline="0" dirty="0">
                 <a:ln>
@@ -22526,7 +22860,7 @@
           <p:cNvPr id="2" name="Заголовок 1">
             <a:extLst>
               <a:ext uri="{FF2B5EF4-FFF2-40B4-BE49-F238E27FC236}">
-                <a16:creationId xmlns:a16="http://schemas.microsoft.com/office/drawing/2014/main" id="{F9580D0A-8B6B-406A-8D61-7E09B77E3ED2}"/>
+                <a16:creationId xmlns:a16="http://schemas.microsoft.com/office/drawing/2014/main" xmlns="" id="{F9580D0A-8B6B-406A-8D61-7E09B77E3ED2}"/>
               </a:ext>
             </a:extLst>
           </p:cNvPr>
@@ -22568,7 +22902,7 @@
           <p:cNvPr id="4" name="Rectangle 1">
             <a:extLst>
               <a:ext uri="{FF2B5EF4-FFF2-40B4-BE49-F238E27FC236}">
-                <a16:creationId xmlns:a16="http://schemas.microsoft.com/office/drawing/2014/main" id="{57C3A4AB-9956-4275-A3B9-0F5381390FA9}"/>
+                <a16:creationId xmlns:a16="http://schemas.microsoft.com/office/drawing/2014/main" xmlns="" id="{57C3A4AB-9956-4275-A3B9-0F5381390FA9}"/>
               </a:ext>
             </a:extLst>
           </p:cNvPr>
@@ -22669,6 +23003,20 @@
               </a:rPr>
               <a:t>Dao</a:t>
             </a:r>
+            <a:r>
+              <a:rPr kumimoji="0" lang="ru-RU" altLang="ru-RU" sz="1600" b="1" i="0" u="none" strike="noStrike" cap="none" normalizeH="0" baseline="0" dirty="0">
+                <a:ln>
+                  <a:noFill/>
+                </a:ln>
+                <a:solidFill>
+                  <a:srgbClr val="808000"/>
+                </a:solidFill>
+                <a:effectLst/>
+                <a:latin typeface="Courier New" panose="02070309020205020404" pitchFamily="49" charset="0"/>
+                <a:cs typeface="Courier New" panose="02070309020205020404" pitchFamily="49" charset="0"/>
+              </a:rPr>
+              <a:t/>
+            </a:r>
             <a:br>
               <a:rPr kumimoji="0" lang="ru-RU" altLang="ru-RU" sz="1600" b="1" i="0" u="none" strike="noStrike" cap="none" normalizeH="0" baseline="0" dirty="0">
                 <a:ln>
@@ -23208,6 +23556,20 @@
                 <a:cs typeface="Courier New" panose="02070309020205020404" pitchFamily="49" charset="0"/>
               </a:rPr>
             </a:br>
+            <a:r>
+              <a:rPr kumimoji="0" lang="ru-RU" altLang="ru-RU" sz="1600" b="1" i="0" u="none" strike="noStrike" cap="none" normalizeH="0" baseline="0" dirty="0">
+                <a:ln>
+                  <a:noFill/>
+                </a:ln>
+                <a:solidFill>
+                  <a:srgbClr val="000000"/>
+                </a:solidFill>
+                <a:effectLst/>
+                <a:latin typeface="Courier New" panose="02070309020205020404" pitchFamily="49" charset="0"/>
+                <a:cs typeface="Courier New" panose="02070309020205020404" pitchFamily="49" charset="0"/>
+              </a:rPr>
+              <a:t/>
+            </a:r>
             <a:br>
               <a:rPr kumimoji="0" lang="ru-RU" altLang="ru-RU" sz="1600" b="1" i="0" u="none" strike="noStrike" cap="none" normalizeH="0" baseline="0" dirty="0">
                 <a:ln>
@@ -23541,6 +23903,20 @@
                 <a:cs typeface="Courier New" panose="02070309020205020404" pitchFamily="49" charset="0"/>
               </a:rPr>
             </a:br>
+            <a:r>
+              <a:rPr kumimoji="0" lang="ru-RU" altLang="ru-RU" sz="1600" b="1" i="0" u="none" strike="noStrike" cap="none" normalizeH="0" baseline="0" dirty="0">
+                <a:ln>
+                  <a:noFill/>
+                </a:ln>
+                <a:solidFill>
+                  <a:srgbClr val="000000"/>
+                </a:solidFill>
+                <a:effectLst/>
+                <a:latin typeface="Courier New" panose="02070309020205020404" pitchFamily="49" charset="0"/>
+                <a:cs typeface="Courier New" panose="02070309020205020404" pitchFamily="49" charset="0"/>
+              </a:rPr>
+              <a:t/>
+            </a:r>
             <a:br>
               <a:rPr kumimoji="0" lang="ru-RU" altLang="ru-RU" sz="1600" b="1" i="0" u="none" strike="noStrike" cap="none" normalizeH="0" baseline="0" dirty="0">
                 <a:ln>
@@ -24014,6 +24390,20 @@
                 <a:cs typeface="Courier New" panose="02070309020205020404" pitchFamily="49" charset="0"/>
               </a:rPr>
             </a:br>
+            <a:r>
+              <a:rPr kumimoji="0" lang="ru-RU" altLang="ru-RU" sz="1600" b="1" i="0" u="none" strike="noStrike" cap="none" normalizeH="0" baseline="0" dirty="0">
+                <a:ln>
+                  <a:noFill/>
+                </a:ln>
+                <a:solidFill>
+                  <a:srgbClr val="000000"/>
+                </a:solidFill>
+                <a:effectLst/>
+                <a:latin typeface="Courier New" panose="02070309020205020404" pitchFamily="49" charset="0"/>
+                <a:cs typeface="Courier New" panose="02070309020205020404" pitchFamily="49" charset="0"/>
+              </a:rPr>
+              <a:t/>
+            </a:r>
             <a:br>
               <a:rPr kumimoji="0" lang="ru-RU" altLang="ru-RU" sz="1600" b="1" i="0" u="none" strike="noStrike" cap="none" normalizeH="0" baseline="0" dirty="0">
                 <a:ln>
@@ -24069,6 +24459,20 @@
               </a:rPr>
               <a:t>Delete</a:t>
             </a:r>
+            <a:r>
+              <a:rPr kumimoji="0" lang="ru-RU" altLang="ru-RU" sz="1600" b="1" i="0" u="none" strike="noStrike" cap="none" normalizeH="0" baseline="0" dirty="0">
+                <a:ln>
+                  <a:noFill/>
+                </a:ln>
+                <a:solidFill>
+                  <a:srgbClr val="808000"/>
+                </a:solidFill>
+                <a:effectLst/>
+                <a:latin typeface="Courier New" panose="02070309020205020404" pitchFamily="49" charset="0"/>
+                <a:cs typeface="Courier New" panose="02070309020205020404" pitchFamily="49" charset="0"/>
+              </a:rPr>
+              <a:t/>
+            </a:r>
             <a:br>
               <a:rPr kumimoji="0" lang="ru-RU" altLang="ru-RU" sz="1600" b="1" i="0" u="none" strike="noStrike" cap="none" normalizeH="0" baseline="0" dirty="0">
                 <a:ln>
@@ -24249,6 +24653,20 @@
                 <a:cs typeface="Courier New" panose="02070309020205020404" pitchFamily="49" charset="0"/>
               </a:rPr>
             </a:br>
+            <a:r>
+              <a:rPr kumimoji="0" lang="ru-RU" altLang="ru-RU" sz="1600" b="1" i="0" u="none" strike="noStrike" cap="none" normalizeH="0" baseline="0" dirty="0">
+                <a:ln>
+                  <a:noFill/>
+                </a:ln>
+                <a:solidFill>
+                  <a:srgbClr val="000000"/>
+                </a:solidFill>
+                <a:effectLst/>
+                <a:latin typeface="Courier New" panose="02070309020205020404" pitchFamily="49" charset="0"/>
+                <a:cs typeface="Courier New" panose="02070309020205020404" pitchFamily="49" charset="0"/>
+              </a:rPr>
+              <a:t/>
+            </a:r>
             <a:br>
               <a:rPr kumimoji="0" lang="ru-RU" altLang="ru-RU" sz="1600" b="1" i="0" u="none" strike="noStrike" cap="none" normalizeH="0" baseline="0" dirty="0">
                 <a:ln>
@@ -24498,6 +24916,20 @@
                 <a:cs typeface="Courier New" panose="02070309020205020404" pitchFamily="49" charset="0"/>
               </a:rPr>
             </a:br>
+            <a:r>
+              <a:rPr kumimoji="0" lang="ru-RU" altLang="ru-RU" sz="1600" b="1" i="0" u="none" strike="noStrike" cap="none" normalizeH="0" baseline="0" dirty="0">
+                <a:ln>
+                  <a:noFill/>
+                </a:ln>
+                <a:solidFill>
+                  <a:srgbClr val="000000"/>
+                </a:solidFill>
+                <a:effectLst/>
+                <a:latin typeface="Courier New" panose="02070309020205020404" pitchFamily="49" charset="0"/>
+                <a:cs typeface="Courier New" panose="02070309020205020404" pitchFamily="49" charset="0"/>
+              </a:rPr>
+              <a:t/>
+            </a:r>
             <a:br>
               <a:rPr kumimoji="0" lang="ru-RU" altLang="ru-RU" sz="1600" b="1" i="0" u="none" strike="noStrike" cap="none" normalizeH="0" baseline="0" dirty="0">
                 <a:ln>
@@ -24573,7 +25005,7 @@
           <p:cNvPr id="2" name="Заголовок 1">
             <a:extLst>
               <a:ext uri="{FF2B5EF4-FFF2-40B4-BE49-F238E27FC236}">
-                <a16:creationId xmlns:a16="http://schemas.microsoft.com/office/drawing/2014/main" id="{F9580D0A-8B6B-406A-8D61-7E09B77E3ED2}"/>
+                <a16:creationId xmlns:a16="http://schemas.microsoft.com/office/drawing/2014/main" xmlns="" id="{F9580D0A-8B6B-406A-8D61-7E09B77E3ED2}"/>
               </a:ext>
             </a:extLst>
           </p:cNvPr>
@@ -24615,7 +25047,7 @@
           <p:cNvPr id="3" name="Объект 2">
             <a:extLst>
               <a:ext uri="{FF2B5EF4-FFF2-40B4-BE49-F238E27FC236}">
-                <a16:creationId xmlns:a16="http://schemas.microsoft.com/office/drawing/2014/main" id="{E5203457-2544-4CA3-B0B0-8F7E6DEDEF87}"/>
+                <a16:creationId xmlns:a16="http://schemas.microsoft.com/office/drawing/2014/main" xmlns="" id="{E5203457-2544-4CA3-B0B0-8F7E6DEDEF87}"/>
               </a:ext>
             </a:extLst>
           </p:cNvPr>
@@ -24804,7 +25236,7 @@
           <p:cNvPr id="2" name="Заголовок 1">
             <a:extLst>
               <a:ext uri="{FF2B5EF4-FFF2-40B4-BE49-F238E27FC236}">
-                <a16:creationId xmlns:a16="http://schemas.microsoft.com/office/drawing/2014/main" id="{F9580D0A-8B6B-406A-8D61-7E09B77E3ED2}"/>
+                <a16:creationId xmlns:a16="http://schemas.microsoft.com/office/drawing/2014/main" xmlns="" id="{F9580D0A-8B6B-406A-8D61-7E09B77E3ED2}"/>
               </a:ext>
             </a:extLst>
           </p:cNvPr>
@@ -24846,7 +25278,7 @@
           <p:cNvPr id="4" name="Rectangle 1">
             <a:extLst>
               <a:ext uri="{FF2B5EF4-FFF2-40B4-BE49-F238E27FC236}">
-                <a16:creationId xmlns:a16="http://schemas.microsoft.com/office/drawing/2014/main" id="{DC5E3630-CB11-4520-A8A2-17FB68AC5BD5}"/>
+                <a16:creationId xmlns:a16="http://schemas.microsoft.com/office/drawing/2014/main" xmlns="" id="{DC5E3630-CB11-4520-A8A2-17FB68AC5BD5}"/>
               </a:ext>
             </a:extLst>
           </p:cNvPr>
